--- a/img/Member/Member.pptx
+++ b/img/Member/Member.pptx
@@ -3357,10 +3357,19 @@
           <a:p>
             <a:pPr algn="ctr"/>
             <a:r>
-              <a:rPr lang="en-US" altLang="ja-JP" sz="1600" dirty="0"/>
-              <a:t>Staff</a:t>
-            </a:r>
-            <a:endParaRPr kumimoji="1" lang="ja-JP" altLang="en-US" sz="1600" dirty="0"/>
+              <a:rPr lang="en-US" altLang="ja-JP" sz="1400" dirty="0">
+                <a:ea typeface="ＭＳ ゴシック" panose="020B0609070205080204" pitchFamily="49" charset="-128"/>
+              </a:rPr>
+              <a:t>S</a:t>
+            </a:r>
+            <a:r>
+              <a:rPr lang="ja-JP" altLang="ja-JP" sz="1400" dirty="0">
+                <a:effectLst/>
+                <a:ea typeface="ＭＳ ゴシック" panose="020B0609070205080204" pitchFamily="49" charset="-128"/>
+              </a:rPr>
+              <a:t>upporter</a:t>
+            </a:r>
+            <a:endParaRPr kumimoji="1" lang="ja-JP" altLang="en-US" sz="1200" dirty="0"/>
           </a:p>
         </p:txBody>
       </p:sp>
